--- a/Soft skills/Soft skills_weekend.pptx
+++ b/Soft skills/Soft skills_weekend.pptx
@@ -5,15 +5,14 @@
     <p:sldMasterId id="2147483648" r:id="rId1"/>
   </p:sldMasterIdLst>
   <p:notesMasterIdLst>
-    <p:notesMasterId r:id="rId5"/>
+    <p:notesMasterId r:id="rId4"/>
   </p:notesMasterIdLst>
   <p:handoutMasterIdLst>
-    <p:handoutMasterId r:id="rId6"/>
+    <p:handoutMasterId r:id="rId5"/>
   </p:handoutMasterIdLst>
   <p:sldIdLst>
     <p:sldId id="260" r:id="rId2"/>
-    <p:sldId id="289" r:id="rId3"/>
-    <p:sldId id="287" r:id="rId4"/>
+    <p:sldId id="287" r:id="rId3"/>
   </p:sldIdLst>
   <p:sldSz cx="12192000" cy="6858000"/>
   <p:notesSz cx="6858000" cy="9144000"/>
@@ -1520,90 +1519,6 @@
     </p:spTree>
     <p:extLst>
       <p:ext uri="{BB962C8B-B14F-4D97-AF65-F5344CB8AC3E}">
-        <p14:creationId xmlns:p14="http://schemas.microsoft.com/office/powerpoint/2010/main" val="294383089"/>
-      </p:ext>
-    </p:extLst>
-  </p:cSld>
-  <p:clrMapOvr>
-    <a:masterClrMapping/>
-  </p:clrMapOvr>
-</p:notes>
-</file>
-
-<file path=ppt/notesSlides/notesSlide2.xml><?xml version="1.0" encoding="utf-8"?>
-<p:notes xmlns:a="http://schemas.openxmlformats.org/drawingml/2006/main" xmlns:r="http://schemas.openxmlformats.org/officeDocument/2006/relationships" xmlns:p="http://schemas.openxmlformats.org/presentationml/2006/main">
-  <p:cSld>
-    <p:spTree>
-      <p:nvGrpSpPr>
-        <p:cNvPr id="1" name=""/>
-        <p:cNvGrpSpPr/>
-        <p:nvPr/>
-      </p:nvGrpSpPr>
-      <p:grpSpPr>
-        <a:xfrm>
-          <a:off x="0" y="0"/>
-          <a:ext cx="0" cy="0"/>
-          <a:chOff x="0" y="0"/>
-          <a:chExt cx="0" cy="0"/>
-        </a:xfrm>
-      </p:grpSpPr>
-      <p:sp>
-        <p:nvSpPr>
-          <p:cNvPr id="2" name="Slide Image Placeholder 1"/>
-          <p:cNvSpPr>
-            <a:spLocks noGrp="1" noRot="1" noChangeAspect="1"/>
-          </p:cNvSpPr>
-          <p:nvPr>
-            <p:ph type="sldImg"/>
-          </p:nvPr>
-        </p:nvSpPr>
-        <p:spPr/>
-      </p:sp>
-      <p:sp>
-        <p:nvSpPr>
-          <p:cNvPr id="3" name="Notes Placeholder 2"/>
-          <p:cNvSpPr>
-            <a:spLocks noGrp="1"/>
-          </p:cNvSpPr>
-          <p:nvPr>
-            <p:ph type="body" idx="1"/>
-          </p:nvPr>
-        </p:nvSpPr>
-        <p:spPr/>
-        <p:txBody>
-          <a:bodyPr/>
-          <a:lstStyle/>
-          <a:p>
-            <a:endParaRPr lang="en-US"/>
-          </a:p>
-        </p:txBody>
-      </p:sp>
-      <p:sp>
-        <p:nvSpPr>
-          <p:cNvPr id="4" name="Slide Number Placeholder 3"/>
-          <p:cNvSpPr>
-            <a:spLocks noGrp="1"/>
-          </p:cNvSpPr>
-          <p:nvPr>
-            <p:ph type="sldNum" sz="quarter" idx="10"/>
-          </p:nvPr>
-        </p:nvSpPr>
-        <p:spPr/>
-        <p:txBody>
-          <a:bodyPr/>
-          <a:lstStyle/>
-          <a:p>
-            <a:fld id="{A008DDF4-253B-4E36-BE28-46B8E6426B7B}" type="slidenum">
-              <a:rPr lang="en-US" smtClean="0"/>
-              <a:t>3</a:t>
-            </a:fld>
-            <a:endParaRPr lang="en-US"/>
-          </a:p>
-        </p:txBody>
-      </p:sp>
-    </p:spTree>
-    <p:extLst>
-      <p:ext uri="{BB962C8B-B14F-4D97-AF65-F5344CB8AC3E}">
         <p14:creationId xmlns:p14="http://schemas.microsoft.com/office/powerpoint/2010/main" val="2205632131"/>
       </p:ext>
     </p:extLst>
@@ -4979,255 +4894,6 @@
             </a:ext>
             <a:ext uri="{AF507438-7753-43e0-B8FC-AC1667EBCBE1}">
               <a14:hiddenEffects xmlns:a14="http://schemas.microsoft.com/office/drawing/2010/main" xmlns="">
-                <a:effectLst>
-                  <a:outerShdw blurRad="63500" dist="38099" dir="2700000" algn="ctr" rotWithShape="0">
-                    <a:schemeClr val="bg2">
-                      <a:alpha val="74998"/>
-                    </a:schemeClr>
-                  </a:outerShdw>
-                </a:effectLst>
-              </a14:hiddenEffects>
-            </a:ext>
-          </a:extLst>
-        </p:spPr>
-        <p:txBody>
-          <a:bodyPr vert="horz" wrap="square" lIns="91440" tIns="45720" rIns="91440" bIns="45720" numCol="1" anchor="ctr" anchorCtr="0" compatLnSpc="1">
-            <a:prstTxWarp prst="textNoShape">
-              <a:avLst/>
-            </a:prstTxWarp>
-            <a:spAutoFit/>
-          </a:bodyPr>
-          <a:lstStyle/>
-          <a:p>
-            <a:pPr marL="0" marR="0" lvl="0" indent="0" algn="l" defTabSz="914400" rtl="0" eaLnBrk="0" fontAlgn="base" latinLnBrk="0" hangingPunct="0">
-              <a:lnSpc>
-                <a:spcPct val="100000"/>
-              </a:lnSpc>
-              <a:spcBef>
-                <a:spcPct val="0"/>
-              </a:spcBef>
-              <a:spcAft>
-                <a:spcPct val="0"/>
-              </a:spcAft>
-              <a:buClrTx/>
-              <a:buSzTx/>
-              <a:buFontTx/>
-              <a:buNone/>
-              <a:tabLst/>
-            </a:pPr>
-            <a:r>
-              <a:rPr kumimoji="0" lang="en-US" altLang="en-US" sz="1800" b="0" i="0" u="none" strike="noStrike" cap="none" normalizeH="0" baseline="0">
-                <a:ln>
-                  <a:noFill/>
-                </a:ln>
-                <a:solidFill>
-                  <a:srgbClr val="000000"/>
-                </a:solidFill>
-                <a:effectLst/>
-                <a:latin typeface="Arial" charset="0"/>
-                <a:ea typeface="Times" charset="0"/>
-              </a:rPr>
-              <a:t> </a:t>
-            </a:r>
-            <a:endParaRPr kumimoji="0" lang="en-US" altLang="en-US" sz="1800" b="1" i="0" u="none" strike="noStrike" cap="none" normalizeH="0" baseline="0">
-              <a:ln>
-                <a:noFill/>
-              </a:ln>
-              <a:effectLst/>
-              <a:latin typeface="Arial" charset="0"/>
-            </a:endParaRPr>
-          </a:p>
-          <a:p>
-            <a:pPr marL="0" marR="0" lvl="0" indent="0" algn="l" defTabSz="914400" rtl="0" eaLnBrk="0" fontAlgn="base" latinLnBrk="0" hangingPunct="0">
-              <a:lnSpc>
-                <a:spcPct val="100000"/>
-              </a:lnSpc>
-              <a:spcBef>
-                <a:spcPct val="0"/>
-              </a:spcBef>
-              <a:spcAft>
-                <a:spcPct val="0"/>
-              </a:spcAft>
-              <a:buClrTx/>
-              <a:buSzTx/>
-              <a:buFontTx/>
-              <a:buNone/>
-              <a:tabLst/>
-            </a:pPr>
-            <a:endParaRPr kumimoji="0" lang="en-US" altLang="en-US" sz="1800" b="0" i="0" u="none" strike="noStrike" cap="none" normalizeH="0" baseline="0">
-              <a:ln>
-                <a:noFill/>
-              </a:ln>
-              <a:solidFill>
-                <a:schemeClr val="tx1"/>
-              </a:solidFill>
-              <a:effectLst/>
-              <a:latin typeface="Arial" charset="0"/>
-            </a:endParaRPr>
-          </a:p>
-        </p:txBody>
-      </p:sp>
-      <p:sp>
-        <p:nvSpPr>
-          <p:cNvPr id="7" name="Content Placeholder 6"/>
-          <p:cNvSpPr>
-            <a:spLocks noGrp="1"/>
-          </p:cNvSpPr>
-          <p:nvPr>
-            <p:ph idx="1"/>
-          </p:nvPr>
-        </p:nvSpPr>
-        <p:spPr>
-          <a:xfrm>
-            <a:off x="850106" y="1891110"/>
-            <a:ext cx="10515600" cy="3603620"/>
-          </a:xfrm>
-        </p:spPr>
-        <p:txBody>
-          <a:bodyPr vert="horz" lIns="91440" tIns="45720" rIns="91440" bIns="45720" rtlCol="0" anchor="t">
-            <a:normAutofit/>
-          </a:bodyPr>
-          <a:lstStyle/>
-          <a:p>
-            <a:r>
-              <a:rPr lang="en-US"/>
-              <a:t>As a team, please visit: TBC</a:t>
-            </a:r>
-          </a:p>
-          <a:p>
-            <a:endParaRPr lang="en-US"/>
-          </a:p>
-          <a:p>
-            <a:r>
-              <a:rPr lang="en-US"/>
-              <a:t>Submit Project Preference before 11am on Wednesday 4</a:t>
-            </a:r>
-            <a:r>
-              <a:rPr lang="en-US" baseline="30000"/>
-              <a:t>th </a:t>
-            </a:r>
-            <a:r>
-              <a:rPr lang="en-US"/>
-              <a:t>September 2019</a:t>
-            </a:r>
-          </a:p>
-          <a:p>
-            <a:endParaRPr lang="en-US"/>
-          </a:p>
-          <a:p>
-            <a:r>
-              <a:rPr lang="en-US"/>
-              <a:t>1 submission per</a:t>
-            </a:r>
-            <a:r>
-              <a:rPr lang="en-GB"/>
-              <a:t> team: TBC</a:t>
-            </a:r>
-            <a:endParaRPr lang="en-US">
-              <a:highlight>
-                <a:srgbClr val="FF0000"/>
-              </a:highlight>
-            </a:endParaRPr>
-          </a:p>
-        </p:txBody>
-      </p:sp>
-    </p:spTree>
-    <p:extLst>
-      <p:ext uri="{BB962C8B-B14F-4D97-AF65-F5344CB8AC3E}">
-        <p14:creationId xmlns:p14="http://schemas.microsoft.com/office/powerpoint/2010/main" val="2198751208"/>
-      </p:ext>
-    </p:extLst>
-  </p:cSld>
-  <p:clrMapOvr>
-    <a:masterClrMapping/>
-  </p:clrMapOvr>
-</p:sld>
-</file>
-
-<file path=ppt/slides/slide3.xml><?xml version="1.0" encoding="utf-8"?>
-<p:sld xmlns:a="http://schemas.openxmlformats.org/drawingml/2006/main" xmlns:r="http://schemas.openxmlformats.org/officeDocument/2006/relationships" xmlns:p="http://schemas.openxmlformats.org/presentationml/2006/main">
-  <p:cSld>
-    <p:spTree>
-      <p:nvGrpSpPr>
-        <p:cNvPr id="1" name=""/>
-        <p:cNvGrpSpPr/>
-        <p:nvPr/>
-      </p:nvGrpSpPr>
-      <p:grpSpPr>
-        <a:xfrm>
-          <a:off x="0" y="0"/>
-          <a:ext cx="0" cy="0"/>
-          <a:chOff x="0" y="0"/>
-          <a:chExt cx="0" cy="0"/>
-        </a:xfrm>
-      </p:grpSpPr>
-      <p:sp>
-        <p:nvSpPr>
-          <p:cNvPr id="2" name="Title 1"/>
-          <p:cNvSpPr>
-            <a:spLocks noGrp="1"/>
-          </p:cNvSpPr>
-          <p:nvPr>
-            <p:ph type="title"/>
-          </p:nvPr>
-        </p:nvSpPr>
-        <p:spPr/>
-        <p:txBody>
-          <a:bodyPr/>
-          <a:lstStyle/>
-          <a:p>
-            <a:r>
-              <a:rPr lang="en-US"/>
-              <a:t>Project Roll</a:t>
-            </a:r>
-            <a:endParaRPr lang="en-US">
-              <a:latin typeface="Segoe UI Light" panose="020B0502040204020203" pitchFamily="34" charset="0"/>
-              <a:cs typeface="Segoe UI Light" panose="020B0502040204020203" pitchFamily="34" charset="0"/>
-            </a:endParaRPr>
-          </a:p>
-        </p:txBody>
-      </p:sp>
-      <p:sp>
-        <p:nvSpPr>
-          <p:cNvPr id="4" name="Rectangle 1"/>
-          <p:cNvSpPr>
-            <a:spLocks noChangeArrowheads="1"/>
-          </p:cNvSpPr>
-          <p:nvPr/>
-        </p:nvSpPr>
-        <p:spPr bwMode="auto">
-          <a:xfrm>
-            <a:off x="838200" y="1965325"/>
-            <a:ext cx="12192000" cy="0"/>
-          </a:xfrm>
-          <a:prstGeom prst="rect">
-            <a:avLst/>
-          </a:prstGeom>
-          <a:noFill/>
-          <a:ln>
-            <a:noFill/>
-          </a:ln>
-          <a:effectLst/>
-          <a:extLst>
-            <a:ext uri="{909E8E84-426E-40dd-AFC4-6F175D3DCCD1}">
-              <a14:hiddenFill xmlns="" xmlns:a14="http://schemas.microsoft.com/office/drawing/2010/main">
-                <a:solidFill>
-                  <a:schemeClr val="accent1"/>
-                </a:solidFill>
-              </a14:hiddenFill>
-            </a:ext>
-            <a:ext uri="{91240B29-F687-4f45-9708-019B960494DF}">
-              <a14:hiddenLine xmlns="" xmlns:a14="http://schemas.microsoft.com/office/drawing/2010/main" w="9525">
-                <a:solidFill>
-                  <a:schemeClr val="tx1"/>
-                </a:solidFill>
-                <a:miter lim="800000"/>
-                <a:headEnd/>
-                <a:tailEnd/>
-              </a14:hiddenLine>
-            </a:ext>
-            <a:ext uri="{AF507438-7753-43e0-B8FC-AC1667EBCBE1}">
-              <a14:hiddenEffects xmlns="" xmlns:a14="http://schemas.microsoft.com/office/drawing/2010/main">
                 <a:effectLst>
                   <a:outerShdw blurRad="63500" dist="38099" dir="2700000" algn="ctr" rotWithShape="0">
                     <a:schemeClr val="bg2">
